--- a/11-Exceptions.pptx
+++ b/11-Exceptions.pptx
@@ -4212,6 +4212,13 @@
   <p:clrMapOvr>
     <a:masterClrMapping/>
   </p:clrMapOvr>
+  <p:timing>
+    <p:tnLst>
+      <p:par>
+        <p:cTn id="1" dur="indefinite" restart="never" nodeType="tmRoot"/>
+      </p:par>
+    </p:tnLst>
+  </p:timing>
 </p:sld>
 </file>
 
@@ -5019,6 +5026,13 @@
   <p:clrMapOvr>
     <a:masterClrMapping/>
   </p:clrMapOvr>
+  <p:timing>
+    <p:tnLst>
+      <p:par>
+        <p:cTn id="1" dur="indefinite" restart="never" nodeType="tmRoot"/>
+      </p:par>
+    </p:tnLst>
+  </p:timing>
 </p:sld>
 </file>
 
@@ -5347,6 +5361,13 @@
   <p:clrMapOvr>
     <a:masterClrMapping/>
   </p:clrMapOvr>
+  <p:timing>
+    <p:tnLst>
+      <p:par>
+        <p:cTn id="1" dur="indefinite" restart="never" nodeType="tmRoot"/>
+      </p:par>
+    </p:tnLst>
+  </p:timing>
 </p:sld>
 </file>
 
@@ -5462,6 +5483,13 @@
   <p:clrMapOvr>
     <a:masterClrMapping/>
   </p:clrMapOvr>
+  <p:timing>
+    <p:tnLst>
+      <p:par>
+        <p:cTn id="1" dur="indefinite" restart="never" nodeType="tmRoot"/>
+      </p:par>
+    </p:tnLst>
+  </p:timing>
 </p:sld>
 </file>
 
@@ -5579,6 +5607,13 @@
   <p:clrMapOvr>
     <a:masterClrMapping/>
   </p:clrMapOvr>
+  <p:timing>
+    <p:tnLst>
+      <p:par>
+        <p:cTn id="1" dur="indefinite" restart="never" nodeType="tmRoot"/>
+      </p:par>
+    </p:tnLst>
+  </p:timing>
 </p:sld>
 </file>
 
@@ -5679,6 +5714,13 @@
   <p:clrMapOvr>
     <a:masterClrMapping/>
   </p:clrMapOvr>
+  <p:timing>
+    <p:tnLst>
+      <p:par>
+        <p:cTn id="1" dur="indefinite" restart="never" nodeType="tmRoot"/>
+      </p:par>
+    </p:tnLst>
+  </p:timing>
 </p:sld>
 </file>
 
@@ -5976,7 +6018,47 @@
                   </a:schemeClr>
                 </a:solidFill>
               </a:rPr>
-              <a:t>Напишете програма, която чете текстов файл ред по ред. Ако редът не завършва с точка, въпросителен или удивителен знах, хвърлете ваше собствено изключение SentenceNotCompletedException. </a:t>
+              <a:t>Напишете програма, която чете текстов файл ред по ред. Ако редът не завършва с точка, въпросителен или удивителен </a:t>
+            </a:r>
+            <a:r>
+              <a:rPr lang="ru-RU" sz="2400" dirty="0" smtClean="0">
+                <a:solidFill>
+                  <a:schemeClr val="bg1">
+                    <a:lumMod val="95000"/>
+                  </a:schemeClr>
+                </a:solidFill>
+              </a:rPr>
+              <a:t>зна</a:t>
+            </a:r>
+            <a:r>
+              <a:rPr lang="bg-BG" sz="2400">
+                <a:solidFill>
+                  <a:schemeClr val="bg1">
+                    <a:lumMod val="95000"/>
+                  </a:schemeClr>
+                </a:solidFill>
+              </a:rPr>
+              <a:t>к</a:t>
+            </a:r>
+            <a:r>
+              <a:rPr lang="ru-RU" sz="2400" smtClean="0">
+                <a:solidFill>
+                  <a:schemeClr val="bg1">
+                    <a:lumMod val="95000"/>
+                  </a:schemeClr>
+                </a:solidFill>
+              </a:rPr>
+              <a:t>, </a:t>
+            </a:r>
+            <a:r>
+              <a:rPr lang="ru-RU" sz="2400" dirty="0">
+                <a:solidFill>
+                  <a:schemeClr val="bg1">
+                    <a:lumMod val="95000"/>
+                  </a:schemeClr>
+                </a:solidFill>
+              </a:rPr>
+              <a:t>хвърлете ваше собствено изключение SentenceNotCompletedException. </a:t>
             </a:r>
           </a:p>
         </p:txBody>
@@ -6242,6 +6324,13 @@
   <p:clrMapOvr>
     <a:masterClrMapping/>
   </p:clrMapOvr>
+  <p:timing>
+    <p:tnLst>
+      <p:par>
+        <p:cTn id="1" dur="indefinite" restart="never" nodeType="tmRoot"/>
+      </p:par>
+    </p:tnLst>
+  </p:timing>
 </p:sld>
 </file>
 
@@ -6946,6 +7035,13 @@
   <p:clrMapOvr>
     <a:masterClrMapping/>
   </p:clrMapOvr>
+  <p:timing>
+    <p:tnLst>
+      <p:par>
+        <p:cTn id="1" dur="indefinite" restart="never" nodeType="tmRoot"/>
+      </p:par>
+    </p:tnLst>
+  </p:timing>
 </p:sld>
 </file>
 
@@ -7213,6 +7309,13 @@
   <p:clrMapOvr>
     <a:masterClrMapping/>
   </p:clrMapOvr>
+  <p:timing>
+    <p:tnLst>
+      <p:par>
+        <p:cTn id="1" dur="indefinite" restart="never" nodeType="tmRoot"/>
+      </p:par>
+    </p:tnLst>
+  </p:timing>
 </p:sld>
 </file>
 

--- a/11-Exceptions.pptx
+++ b/11-Exceptions.pptx
@@ -232,7 +232,7 @@
           <a:p>
             <a:fld id="{1A052DDE-B79B-4585-97B6-DCDE6083B029}" type="datetimeFigureOut">
               <a:rPr lang="bg-BG" smtClean="0"/>
-              <a:t>7.9.2015 г.</a:t>
+              <a:t>18.1.2016 г.</a:t>
             </a:fld>
             <a:endParaRPr lang="bg-BG"/>
           </a:p>
@@ -681,7 +681,7 @@
           <a:p>
             <a:fld id="{3EA744D9-3FBE-48D8-BF2A-85DF203E4D20}" type="datetimeFigureOut">
               <a:rPr lang="bg-BG" smtClean="0"/>
-              <a:t>7.9.2015 г.</a:t>
+              <a:t>18.1.2016 г.</a:t>
             </a:fld>
             <a:endParaRPr lang="bg-BG"/>
           </a:p>
@@ -851,7 +851,7 @@
           <a:p>
             <a:fld id="{3EA744D9-3FBE-48D8-BF2A-85DF203E4D20}" type="datetimeFigureOut">
               <a:rPr lang="bg-BG" smtClean="0"/>
-              <a:t>7.9.2015 г.</a:t>
+              <a:t>18.1.2016 г.</a:t>
             </a:fld>
             <a:endParaRPr lang="bg-BG"/>
           </a:p>
@@ -1031,7 +1031,7 @@
           <a:p>
             <a:fld id="{3EA744D9-3FBE-48D8-BF2A-85DF203E4D20}" type="datetimeFigureOut">
               <a:rPr lang="bg-BG" smtClean="0"/>
-              <a:t>7.9.2015 г.</a:t>
+              <a:t>18.1.2016 г.</a:t>
             </a:fld>
             <a:endParaRPr lang="bg-BG"/>
           </a:p>
@@ -1201,7 +1201,7 @@
           <a:p>
             <a:fld id="{3EA744D9-3FBE-48D8-BF2A-85DF203E4D20}" type="datetimeFigureOut">
               <a:rPr lang="bg-BG" smtClean="0"/>
-              <a:t>7.9.2015 г.</a:t>
+              <a:t>18.1.2016 г.</a:t>
             </a:fld>
             <a:endParaRPr lang="bg-BG"/>
           </a:p>
@@ -1447,7 +1447,7 @@
           <a:p>
             <a:fld id="{3EA744D9-3FBE-48D8-BF2A-85DF203E4D20}" type="datetimeFigureOut">
               <a:rPr lang="bg-BG" smtClean="0"/>
-              <a:t>7.9.2015 г.</a:t>
+              <a:t>18.1.2016 г.</a:t>
             </a:fld>
             <a:endParaRPr lang="bg-BG"/>
           </a:p>
@@ -1735,7 +1735,7 @@
           <a:p>
             <a:fld id="{3EA744D9-3FBE-48D8-BF2A-85DF203E4D20}" type="datetimeFigureOut">
               <a:rPr lang="bg-BG" smtClean="0"/>
-              <a:t>7.9.2015 г.</a:t>
+              <a:t>18.1.2016 г.</a:t>
             </a:fld>
             <a:endParaRPr lang="bg-BG"/>
           </a:p>
@@ -2157,7 +2157,7 @@
           <a:p>
             <a:fld id="{3EA744D9-3FBE-48D8-BF2A-85DF203E4D20}" type="datetimeFigureOut">
               <a:rPr lang="bg-BG" smtClean="0"/>
-              <a:t>7.9.2015 г.</a:t>
+              <a:t>18.1.2016 г.</a:t>
             </a:fld>
             <a:endParaRPr lang="bg-BG"/>
           </a:p>
@@ -2275,7 +2275,7 @@
           <a:p>
             <a:fld id="{3EA744D9-3FBE-48D8-BF2A-85DF203E4D20}" type="datetimeFigureOut">
               <a:rPr lang="bg-BG" smtClean="0"/>
-              <a:t>7.9.2015 г.</a:t>
+              <a:t>18.1.2016 г.</a:t>
             </a:fld>
             <a:endParaRPr lang="bg-BG"/>
           </a:p>
@@ -2370,7 +2370,7 @@
           <a:p>
             <a:fld id="{3EA744D9-3FBE-48D8-BF2A-85DF203E4D20}" type="datetimeFigureOut">
               <a:rPr lang="bg-BG" smtClean="0"/>
-              <a:t>7.9.2015 г.</a:t>
+              <a:t>18.1.2016 г.</a:t>
             </a:fld>
             <a:endParaRPr lang="bg-BG"/>
           </a:p>
@@ -2647,7 +2647,7 @@
           <a:p>
             <a:fld id="{3EA744D9-3FBE-48D8-BF2A-85DF203E4D20}" type="datetimeFigureOut">
               <a:rPr lang="bg-BG" smtClean="0"/>
-              <a:t>7.9.2015 г.</a:t>
+              <a:t>18.1.2016 г.</a:t>
             </a:fld>
             <a:endParaRPr lang="bg-BG"/>
           </a:p>
@@ -2900,7 +2900,7 @@
           <a:p>
             <a:fld id="{3EA744D9-3FBE-48D8-BF2A-85DF203E4D20}" type="datetimeFigureOut">
               <a:rPr lang="bg-BG" smtClean="0"/>
-              <a:t>7.9.2015 г.</a:t>
+              <a:t>18.1.2016 г.</a:t>
             </a:fld>
             <a:endParaRPr lang="bg-BG"/>
           </a:p>
@@ -3122,7 +3122,7 @@
           <a:p>
             <a:fld id="{3EA744D9-3FBE-48D8-BF2A-85DF203E4D20}" type="datetimeFigureOut">
               <a:rPr lang="bg-BG" smtClean="0"/>
-              <a:t>7.9.2015 г.</a:t>
+              <a:t>18.1.2016 г.</a:t>
             </a:fld>
             <a:endParaRPr lang="bg-BG"/>
           </a:p>
